--- a/ARP SNIFFER IN OPEN WIFI (3).pptx
+++ b/ARP SNIFFER IN OPEN WIFI (3).pptx
@@ -372,7 +372,7 @@
     </p:spTree>
     <p:extLst>
       <p:ext uri="{BB962C8B-B14F-4D97-AF65-F5344CB8AC3E}">
-        <p14:creationId xmlns:p14="http://schemas.microsoft.com/office/powerpoint/2010/main" xmlns="" val="882880832"/>
+        <p14:creationId xmlns="" xmlns:p14="http://schemas.microsoft.com/office/powerpoint/2010/main" val="882880832"/>
       </p:ext>
     </p:extLst>
   </p:cSld>
@@ -3845,11 +3845,7 @@
           <a:p>
             <a:r>
               <a:rPr lang="en-US" sz="2400" b="1" dirty="0" err="1" smtClean="0"/>
-              <a:t>Ms.</a:t>
-            </a:r>
-            <a:r>
-              <a:rPr lang="en-US" sz="2400" b="1" dirty="0" err="1" smtClean="0"/>
-              <a:t>A.GETSYAL.</a:t>
+              <a:t>Ms.A.GETSYAL.</a:t>
             </a:r>
             <a:r>
               <a:rPr lang="en-US" sz="1600" b="1" dirty="0" err="1" smtClean="0"/>
@@ -3981,15 +3977,7 @@
             <a:pPr algn="ctr"/>
             <a:r>
               <a:rPr lang="en-US" sz="2800" dirty="0" smtClean="0"/>
-              <a:t>To stop the MITM of </a:t>
-            </a:r>
-            <a:r>
-              <a:rPr lang="en-US" sz="2800" dirty="0" smtClean="0"/>
-              <a:t>ARP poisoning </a:t>
-            </a:r>
-            <a:r>
-              <a:rPr lang="en-US" sz="2800" dirty="0" smtClean="0"/>
-              <a:t>in open </a:t>
+              <a:t>To stop the MITM of ARP poisoning in open </a:t>
             </a:r>
             <a:r>
               <a:rPr lang="en-US" sz="2800" dirty="0" err="1" smtClean="0"/>
@@ -4291,22 +4279,30 @@
           <a:p>
             <a:r>
               <a:rPr lang="en-US" sz="2800" dirty="0" smtClean="0"/>
-              <a:t>In Existing system, It prevent the attack only once at a time</a:t>
-            </a:r>
+              <a:t>In Existing system, It prevent the attack only once at a time.</a:t>
+            </a:r>
+          </a:p>
+          <a:p>
             <a:r>
               <a:rPr lang="en-US" sz="2800" dirty="0" smtClean="0"/>
-              <a:t>.</a:t>
-            </a:r>
-          </a:p>
-          <a:p>
+              <a:t>Threats act could use MITM attack to harvest personal information or login </a:t>
+            </a:r>
             <a:r>
               <a:rPr lang="en-US" sz="2800" dirty="0" smtClean="0"/>
-              <a:t>Threats act could use MITM attack to harvest personal information or login credentials</a:t>
+              <a:t>credentials</a:t>
             </a:r>
             <a:endParaRPr lang="en-US" dirty="0" smtClean="0"/>
           </a:p>
           <a:p>
-            <a:endParaRPr lang="en-US" dirty="0" smtClean="0"/>
+            <a:r>
+              <a:rPr lang="en-US" sz="2800" dirty="0" smtClean="0"/>
+              <a:t>FTP ,Telnet, </a:t>
+            </a:r>
+            <a:r>
+              <a:rPr lang="en-US" sz="2800" smtClean="0"/>
+              <a:t>session hijacking</a:t>
+            </a:r>
+            <a:endParaRPr lang="en-US" sz="2800" dirty="0" smtClean="0"/>
           </a:p>
         </p:txBody>
       </p:sp>
@@ -4375,20 +4371,14 @@
           <a:p>
             <a:r>
               <a:rPr lang="en-US" dirty="0" smtClean="0"/>
-              <a:t>If attacker do again, it can’t able to detect or prevent ARP poisoning attack</a:t>
-            </a:r>
+              <a:t>If attacker do again, it can’t able to detect or prevent ARP poisoning attack.</a:t>
+            </a:r>
+          </a:p>
+          <a:p>
             <a:r>
               <a:rPr lang="en-US" dirty="0" smtClean="0"/>
-              <a:t>.</a:t>
-            </a:r>
-          </a:p>
-          <a:p>
-            <a:r>
-              <a:rPr lang="en-US" dirty="0" smtClean="0"/>
-              <a:t>Using not updated tool and cant able to update that tools.</a:t>
-            </a:r>
-          </a:p>
-          <a:p>
+              <a:t>Cant able to update the tool.</a:t>
+            </a:r>
             <a:endParaRPr lang="en-US" dirty="0" smtClean="0"/>
           </a:p>
           <a:p>
@@ -4483,13 +4473,8 @@
             </a:r>
             <a:r>
               <a:rPr lang="en-US" dirty="0" smtClean="0"/>
-              <a:t> scripting algorithm to stop ARP poisoning</a:t>
-            </a:r>
-            <a:r>
-              <a:rPr lang="en-US" dirty="0" smtClean="0"/>
-              <a:t>.</a:t>
-            </a:r>
-            <a:endParaRPr lang="en-US" dirty="0" smtClean="0"/>
+              <a:t> scripting algorithm to stop ARP poisoning.</a:t>
+            </a:r>
           </a:p>
           <a:p>
             <a:endParaRPr lang="en-US" dirty="0" smtClean="0"/>
@@ -4571,23 +4556,28 @@
             </a:r>
             <a:r>
               <a:rPr lang="en-US" b="1" dirty="0" smtClean="0"/>
-              <a:t>very </a:t>
-            </a:r>
-            <a:r>
-              <a:rPr lang="en-US" b="1" smtClean="0"/>
-              <a:t>less </a:t>
-            </a:r>
-            <a:r>
-              <a:rPr lang="en-US" smtClean="0"/>
+              <a:t>very less </a:t>
+            </a:r>
+            <a:r>
+              <a:rPr lang="en-US" dirty="0" smtClean="0"/>
               <a:t>interval.</a:t>
             </a:r>
+          </a:p>
+          <a:p>
+            <a:r>
+              <a:rPr lang="en-US" dirty="0" smtClean="0"/>
+              <a:t>If it is sent continuously it has conclude that our network has been affected by ARP poisoning</a:t>
+            </a:r>
+            <a:r>
+              <a:rPr lang="en-US" dirty="0" smtClean="0"/>
+              <a:t>.</a:t>
+            </a:r>
+          </a:p>
+          <a:p>
+            <a:pPr>
+              <a:buNone/>
+            </a:pPr>
             <a:endParaRPr lang="en-US" dirty="0" smtClean="0"/>
-          </a:p>
-          <a:p>
-            <a:r>
-              <a:rPr lang="en-US" dirty="0" smtClean="0"/>
-              <a:t>If it is sent continuously it has conclude that our network has been affected by ARP poisoning.</a:t>
-            </a:r>
           </a:p>
           <a:p>
             <a:pPr>
@@ -4651,18 +4641,7 @@
                   </a:schemeClr>
                 </a:solidFill>
               </a:rPr>
-              <a:t>LITERATURE </a:t>
-            </a:r>
-            <a:r>
-              <a:rPr lang="en-US" i="1" dirty="0" smtClean="0">
-                <a:solidFill>
-                  <a:schemeClr val="tx1">
-                    <a:lumMod val="65000"/>
-                    <a:lumOff val="35000"/>
-                  </a:schemeClr>
-                </a:solidFill>
-              </a:rPr>
-              <a:t>SURVEY</a:t>
+              <a:t>LITERATURE SURVEY</a:t>
             </a:r>
             <a:endParaRPr lang="en-US" i="1" dirty="0">
               <a:solidFill>
@@ -4685,7 +4664,7 @@
             <p:ph idx="1"/>
             <p:extLst>
               <p:ext uri="{D42A27DB-BD31-4B8C-83A1-F6EECF244321}">
-                <p14:modId xmlns:p14="http://schemas.microsoft.com/office/powerpoint/2010/main" xmlns="" val="1276907122"/>
+                <p14:modId xmlns="" xmlns:p14="http://schemas.microsoft.com/office/powerpoint/2010/main" val="1276907122"/>
               </p:ext>
             </p:extLst>
           </p:nvPr>
@@ -5615,7 +5594,7 @@
     </p:spTree>
     <p:extLst>
       <p:ext uri="{BB962C8B-B14F-4D97-AF65-F5344CB8AC3E}">
-        <p14:creationId xmlns:p14="http://schemas.microsoft.com/office/powerpoint/2010/main" xmlns="" val="635989107"/>
+        <p14:creationId xmlns="" xmlns:p14="http://schemas.microsoft.com/office/powerpoint/2010/main" val="635989107"/>
       </p:ext>
     </p:extLst>
   </p:cSld>
